--- a/Http.pptx
+++ b/Http.pptx
@@ -7,8 +7,9 @@
   <p:sldIdLst>
     <p:sldId id="256" r:id="rId2"/>
     <p:sldId id="257" r:id="rId3"/>
-    <p:sldId id="258" r:id="rId4"/>
-    <p:sldId id="259" r:id="rId5"/>
+    <p:sldId id="259" r:id="rId4"/>
+    <p:sldId id="258" r:id="rId5"/>
+    <p:sldId id="260" r:id="rId6"/>
   </p:sldIdLst>
   <p:sldSz cx="12192000" cy="6858000"/>
   <p:notesSz cx="6858000" cy="9144000"/>
@@ -107,6 +108,11 @@
       </a:defRPr>
     </a:lvl9pPr>
   </p:defaultTextStyle>
+  <p:extLst>
+    <p:ext uri="{EFAFB233-063F-42B5-8137-9DF3F51BA10A}">
+      <p15:sldGuideLst xmlns:p15="http://schemas.microsoft.com/office/powerpoint/2012/main"/>
+    </p:ext>
+  </p:extLst>
 </p:presentation>
 </file>
 
@@ -257,7 +263,7 @@
           <a:p>
             <a:fld id="{5920F7C4-A855-4443-AAB1-716B8B7D9EBC}" type="datetimeFigureOut">
               <a:rPr lang="en-US" smtClean="0"/>
-              <a:t>8/25/2023</a:t>
+              <a:t>8/28/2023</a:t>
             </a:fld>
             <a:endParaRPr lang="en-US"/>
           </a:p>
@@ -455,7 +461,7 @@
           <a:p>
             <a:fld id="{5920F7C4-A855-4443-AAB1-716B8B7D9EBC}" type="datetimeFigureOut">
               <a:rPr lang="en-US" smtClean="0"/>
-              <a:t>8/25/2023</a:t>
+              <a:t>8/28/2023</a:t>
             </a:fld>
             <a:endParaRPr lang="en-US"/>
           </a:p>
@@ -663,7 +669,7 @@
           <a:p>
             <a:fld id="{5920F7C4-A855-4443-AAB1-716B8B7D9EBC}" type="datetimeFigureOut">
               <a:rPr lang="en-US" smtClean="0"/>
-              <a:t>8/25/2023</a:t>
+              <a:t>8/28/2023</a:t>
             </a:fld>
             <a:endParaRPr lang="en-US"/>
           </a:p>
@@ -861,7 +867,7 @@
           <a:p>
             <a:fld id="{5920F7C4-A855-4443-AAB1-716B8B7D9EBC}" type="datetimeFigureOut">
               <a:rPr lang="en-US" smtClean="0"/>
-              <a:t>8/25/2023</a:t>
+              <a:t>8/28/2023</a:t>
             </a:fld>
             <a:endParaRPr lang="en-US"/>
           </a:p>
@@ -1136,7 +1142,7 @@
           <a:p>
             <a:fld id="{5920F7C4-A855-4443-AAB1-716B8B7D9EBC}" type="datetimeFigureOut">
               <a:rPr lang="en-US" smtClean="0"/>
-              <a:t>8/25/2023</a:t>
+              <a:t>8/28/2023</a:t>
             </a:fld>
             <a:endParaRPr lang="en-US"/>
           </a:p>
@@ -1401,7 +1407,7 @@
           <a:p>
             <a:fld id="{5920F7C4-A855-4443-AAB1-716B8B7D9EBC}" type="datetimeFigureOut">
               <a:rPr lang="en-US" smtClean="0"/>
-              <a:t>8/25/2023</a:t>
+              <a:t>8/28/2023</a:t>
             </a:fld>
             <a:endParaRPr lang="en-US"/>
           </a:p>
@@ -1813,7 +1819,7 @@
           <a:p>
             <a:fld id="{5920F7C4-A855-4443-AAB1-716B8B7D9EBC}" type="datetimeFigureOut">
               <a:rPr lang="en-US" smtClean="0"/>
-              <a:t>8/25/2023</a:t>
+              <a:t>8/28/2023</a:t>
             </a:fld>
             <a:endParaRPr lang="en-US"/>
           </a:p>
@@ -1954,7 +1960,7 @@
           <a:p>
             <a:fld id="{5920F7C4-A855-4443-AAB1-716B8B7D9EBC}" type="datetimeFigureOut">
               <a:rPr lang="en-US" smtClean="0"/>
-              <a:t>8/25/2023</a:t>
+              <a:t>8/28/2023</a:t>
             </a:fld>
             <a:endParaRPr lang="en-US"/>
           </a:p>
@@ -2067,7 +2073,7 @@
           <a:p>
             <a:fld id="{5920F7C4-A855-4443-AAB1-716B8B7D9EBC}" type="datetimeFigureOut">
               <a:rPr lang="en-US" smtClean="0"/>
-              <a:t>8/25/2023</a:t>
+              <a:t>8/28/2023</a:t>
             </a:fld>
             <a:endParaRPr lang="en-US"/>
           </a:p>
@@ -2378,7 +2384,7 @@
           <a:p>
             <a:fld id="{5920F7C4-A855-4443-AAB1-716B8B7D9EBC}" type="datetimeFigureOut">
               <a:rPr lang="en-US" smtClean="0"/>
-              <a:t>8/25/2023</a:t>
+              <a:t>8/28/2023</a:t>
             </a:fld>
             <a:endParaRPr lang="en-US"/>
           </a:p>
@@ -2666,7 +2672,7 @@
           <a:p>
             <a:fld id="{5920F7C4-A855-4443-AAB1-716B8B7D9EBC}" type="datetimeFigureOut">
               <a:rPr lang="en-US" smtClean="0"/>
-              <a:t>8/25/2023</a:t>
+              <a:t>8/28/2023</a:t>
             </a:fld>
             <a:endParaRPr lang="en-US"/>
           </a:p>
@@ -2907,7 +2913,7 @@
           <a:p>
             <a:fld id="{5920F7C4-A855-4443-AAB1-716B8B7D9EBC}" type="datetimeFigureOut">
               <a:rPr lang="en-US" smtClean="0"/>
-              <a:t>8/25/2023</a:t>
+              <a:t>8/28/2023</a:t>
             </a:fld>
             <a:endParaRPr lang="en-US"/>
           </a:p>
@@ -3776,121 +3782,6 @@
       </p:grpSpPr>
       <p:sp>
         <p:nvSpPr>
-          <p:cNvPr id="3" name="Content Placeholder 2">
-            <a:extLst>
-              <a:ext uri="{FF2B5EF4-FFF2-40B4-BE49-F238E27FC236}">
-                <a16:creationId xmlns:a16="http://schemas.microsoft.com/office/drawing/2014/main" id="{5351E8C8-5E31-6652-C085-D4A6651FB50F}"/>
-              </a:ext>
-            </a:extLst>
-          </p:cNvPr>
-          <p:cNvSpPr>
-            <a:spLocks noGrp="1"/>
-          </p:cNvSpPr>
-          <p:nvPr>
-            <p:ph idx="1"/>
-          </p:nvPr>
-        </p:nvSpPr>
-        <p:spPr>
-          <a:xfrm>
-            <a:off x="838200" y="246743"/>
-            <a:ext cx="10515600" cy="5930220"/>
-          </a:xfrm>
-        </p:spPr>
-        <p:txBody>
-          <a:bodyPr/>
-          <a:lstStyle/>
-          <a:p>
-            <a:pPr marL="514350" indent="-514350">
-              <a:buFont typeface="+mj-lt"/>
-              <a:buAutoNum type="arabicPeriod"/>
-            </a:pPr>
-            <a:r>
-              <a:rPr lang="en-US" dirty="0"/>
-              <a:t>Introduction and </a:t>
-            </a:r>
-            <a:r>
-              <a:rPr lang="en-US" dirty="0" err="1"/>
-              <a:t>axios</a:t>
-            </a:r>
-            <a:r>
-              <a:rPr lang="en-US" dirty="0"/>
-              <a:t> setup</a:t>
-            </a:r>
-          </a:p>
-          <a:p>
-            <a:pPr marL="514350" indent="-514350">
-              <a:buFont typeface="+mj-lt"/>
-              <a:buAutoNum type="arabicPeriod"/>
-            </a:pPr>
-            <a:r>
-              <a:rPr lang="en-US" dirty="0"/>
-              <a:t>Sending a GET request</a:t>
-            </a:r>
-          </a:p>
-          <a:p>
-            <a:pPr marL="514350" indent="-514350">
-              <a:buFont typeface="+mj-lt"/>
-              <a:buAutoNum type="arabicPeriod"/>
-            </a:pPr>
-            <a:r>
-              <a:rPr lang="en-US" dirty="0"/>
-              <a:t>Rendering fetched data</a:t>
-            </a:r>
-          </a:p>
-          <a:p>
-            <a:pPr marL="514350" indent="-514350">
-              <a:buFont typeface="+mj-lt"/>
-              <a:buAutoNum type="arabicPeriod"/>
-            </a:pPr>
-            <a:r>
-              <a:rPr lang="en-US" dirty="0"/>
-              <a:t>Adjust fetched data</a:t>
-            </a:r>
-          </a:p>
-          <a:p>
-            <a:pPr marL="514350" indent="-514350">
-              <a:buFont typeface="+mj-lt"/>
-              <a:buAutoNum type="arabicPeriod"/>
-            </a:pPr>
-            <a:r>
-              <a:rPr lang="en-US" dirty="0"/>
-              <a:t>Making the POST selectable</a:t>
-            </a:r>
-          </a:p>
-        </p:txBody>
-      </p:sp>
-    </p:spTree>
-    <p:extLst>
-      <p:ext uri="{BB962C8B-B14F-4D97-AF65-F5344CB8AC3E}">
-        <p14:creationId xmlns:p14="http://schemas.microsoft.com/office/powerpoint/2010/main" val="3054949035"/>
-      </p:ext>
-    </p:extLst>
-  </p:cSld>
-  <p:clrMapOvr>
-    <a:masterClrMapping/>
-  </p:clrMapOvr>
-</p:sld>
-</file>
-
-<file path=ppt/slides/slide4.xml><?xml version="1.0" encoding="utf-8"?>
-<p:sld xmlns:a="http://schemas.openxmlformats.org/drawingml/2006/main" xmlns:r="http://schemas.openxmlformats.org/officeDocument/2006/relationships" xmlns:p="http://schemas.openxmlformats.org/presentationml/2006/main">
-  <p:cSld>
-    <p:spTree>
-      <p:nvGrpSpPr>
-        <p:cNvPr id="1" name=""/>
-        <p:cNvGrpSpPr/>
-        <p:nvPr/>
-      </p:nvGrpSpPr>
-      <p:grpSpPr>
-        <a:xfrm>
-          <a:off x="0" y="0"/>
-          <a:ext cx="0" cy="0"/>
-          <a:chOff x="0" y="0"/>
-          <a:chExt cx="0" cy="0"/>
-        </a:xfrm>
-      </p:grpSpPr>
-      <p:sp>
-        <p:nvSpPr>
           <p:cNvPr id="22" name="Title 1">
             <a:extLst>
               <a:ext uri="{FF2B5EF4-FFF2-40B4-BE49-F238E27FC236}">
@@ -4945,6 +4836,325 @@
     <p:extLst>
       <p:ext uri="{BB962C8B-B14F-4D97-AF65-F5344CB8AC3E}">
         <p14:creationId xmlns:p14="http://schemas.microsoft.com/office/powerpoint/2010/main" val="507604167"/>
+      </p:ext>
+    </p:extLst>
+  </p:cSld>
+  <p:clrMapOvr>
+    <a:masterClrMapping/>
+  </p:clrMapOvr>
+</p:sld>
+</file>
+
+<file path=ppt/slides/slide4.xml><?xml version="1.0" encoding="utf-8"?>
+<p:sld xmlns:a="http://schemas.openxmlformats.org/drawingml/2006/main" xmlns:r="http://schemas.openxmlformats.org/officeDocument/2006/relationships" xmlns:p="http://schemas.openxmlformats.org/presentationml/2006/main">
+  <p:cSld>
+    <p:spTree>
+      <p:nvGrpSpPr>
+        <p:cNvPr id="1" name=""/>
+        <p:cNvGrpSpPr/>
+        <p:nvPr/>
+      </p:nvGrpSpPr>
+      <p:grpSpPr>
+        <a:xfrm>
+          <a:off x="0" y="0"/>
+          <a:ext cx="0" cy="0"/>
+          <a:chOff x="0" y="0"/>
+          <a:chExt cx="0" cy="0"/>
+        </a:xfrm>
+      </p:grpSpPr>
+      <p:sp>
+        <p:nvSpPr>
+          <p:cNvPr id="3" name="Content Placeholder 2">
+            <a:extLst>
+              <a:ext uri="{FF2B5EF4-FFF2-40B4-BE49-F238E27FC236}">
+                <a16:creationId xmlns:a16="http://schemas.microsoft.com/office/drawing/2014/main" id="{5351E8C8-5E31-6652-C085-D4A6651FB50F}"/>
+              </a:ext>
+            </a:extLst>
+          </p:cNvPr>
+          <p:cNvSpPr>
+            <a:spLocks noGrp="1"/>
+          </p:cNvSpPr>
+          <p:nvPr>
+            <p:ph idx="1"/>
+          </p:nvPr>
+        </p:nvSpPr>
+        <p:spPr>
+          <a:xfrm>
+            <a:off x="838200" y="246743"/>
+            <a:ext cx="10515600" cy="5930220"/>
+          </a:xfrm>
+        </p:spPr>
+        <p:txBody>
+          <a:bodyPr/>
+          <a:lstStyle/>
+          <a:p>
+            <a:pPr marL="514350" indent="-514350">
+              <a:buFont typeface="+mj-lt"/>
+              <a:buAutoNum type="arabicPeriod"/>
+            </a:pPr>
+            <a:r>
+              <a:rPr lang="en-US" dirty="0"/>
+              <a:t>Introduction and axios setup</a:t>
+            </a:r>
+          </a:p>
+          <a:p>
+            <a:pPr marL="514350" indent="-514350">
+              <a:buFont typeface="+mj-lt"/>
+              <a:buAutoNum type="arabicPeriod"/>
+            </a:pPr>
+            <a:r>
+              <a:rPr lang="en-US" dirty="0"/>
+              <a:t>Sending a GET request</a:t>
+            </a:r>
+          </a:p>
+          <a:p>
+            <a:pPr marL="514350" indent="-514350">
+              <a:buFont typeface="+mj-lt"/>
+              <a:buAutoNum type="arabicPeriod"/>
+            </a:pPr>
+            <a:r>
+              <a:rPr lang="en-US" dirty="0"/>
+              <a:t>Rendering fetched data</a:t>
+            </a:r>
+          </a:p>
+          <a:p>
+            <a:pPr marL="514350" indent="-514350">
+              <a:buFont typeface="+mj-lt"/>
+              <a:buAutoNum type="arabicPeriod"/>
+            </a:pPr>
+            <a:r>
+              <a:rPr lang="en-US" dirty="0"/>
+              <a:t>Adjust fetched data</a:t>
+            </a:r>
+          </a:p>
+          <a:p>
+            <a:pPr marL="514350" indent="-514350">
+              <a:buFont typeface="+mj-lt"/>
+              <a:buAutoNum type="arabicPeriod"/>
+            </a:pPr>
+            <a:r>
+              <a:rPr lang="en-US" dirty="0"/>
+              <a:t>Making the POST selectable</a:t>
+            </a:r>
+          </a:p>
+          <a:p>
+            <a:pPr marL="514350" indent="-514350">
+              <a:buFont typeface="+mj-lt"/>
+              <a:buAutoNum type="arabicPeriod"/>
+            </a:pPr>
+            <a:r>
+              <a:rPr lang="en-US" dirty="0"/>
+              <a:t>http requests on update</a:t>
+            </a:r>
+          </a:p>
+          <a:p>
+            <a:pPr marL="514350" indent="-514350">
+              <a:buFont typeface="+mj-lt"/>
+              <a:buAutoNum type="arabicPeriod"/>
+            </a:pPr>
+            <a:r>
+              <a:rPr lang="en-US" dirty="0"/>
+              <a:t>Posting data to server</a:t>
+            </a:r>
+          </a:p>
+        </p:txBody>
+      </p:sp>
+    </p:spTree>
+    <p:extLst>
+      <p:ext uri="{BB962C8B-B14F-4D97-AF65-F5344CB8AC3E}">
+        <p14:creationId xmlns:p14="http://schemas.microsoft.com/office/powerpoint/2010/main" val="3054949035"/>
+      </p:ext>
+    </p:extLst>
+  </p:cSld>
+  <p:clrMapOvr>
+    <a:masterClrMapping/>
+  </p:clrMapOvr>
+</p:sld>
+</file>
+
+<file path=ppt/slides/slide5.xml><?xml version="1.0" encoding="utf-8"?>
+<p:sld xmlns:a="http://schemas.openxmlformats.org/drawingml/2006/main" xmlns:r="http://schemas.openxmlformats.org/officeDocument/2006/relationships" xmlns:p="http://schemas.openxmlformats.org/presentationml/2006/main">
+  <p:cSld>
+    <p:spTree>
+      <p:nvGrpSpPr>
+        <p:cNvPr id="1" name=""/>
+        <p:cNvGrpSpPr/>
+        <p:nvPr/>
+      </p:nvGrpSpPr>
+      <p:grpSpPr>
+        <a:xfrm>
+          <a:off x="0" y="0"/>
+          <a:ext cx="0" cy="0"/>
+          <a:chOff x="0" y="0"/>
+          <a:chExt cx="0" cy="0"/>
+        </a:xfrm>
+      </p:grpSpPr>
+      <p:sp>
+        <p:nvSpPr>
+          <p:cNvPr id="2" name="Title 1">
+            <a:extLst>
+              <a:ext uri="{FF2B5EF4-FFF2-40B4-BE49-F238E27FC236}">
+                <a16:creationId xmlns:a16="http://schemas.microsoft.com/office/drawing/2014/main" id="{BBDA8E84-D3C5-B912-ABEC-0C5661E062E2}"/>
+              </a:ext>
+            </a:extLst>
+          </p:cNvPr>
+          <p:cNvSpPr>
+            <a:spLocks noGrp="1"/>
+          </p:cNvSpPr>
+          <p:nvPr>
+            <p:ph type="title"/>
+          </p:nvPr>
+        </p:nvSpPr>
+        <p:spPr/>
+        <p:txBody>
+          <a:bodyPr>
+            <a:normAutofit/>
+          </a:bodyPr>
+          <a:lstStyle/>
+          <a:p>
+            <a:r>
+              <a:rPr lang="en-US" sz="3600" dirty="0"/>
+              <a:t>Component Lifecycle – Update (triggered by Parent)</a:t>
+            </a:r>
+          </a:p>
+        </p:txBody>
+      </p:sp>
+      <p:sp>
+        <p:nvSpPr>
+          <p:cNvPr id="3" name="Content Placeholder 2">
+            <a:extLst>
+              <a:ext uri="{FF2B5EF4-FFF2-40B4-BE49-F238E27FC236}">
+                <a16:creationId xmlns:a16="http://schemas.microsoft.com/office/drawing/2014/main" id="{DFBD6142-D6E2-4CEB-A28A-158471B07D96}"/>
+              </a:ext>
+            </a:extLst>
+          </p:cNvPr>
+          <p:cNvSpPr>
+            <a:spLocks noGrp="1"/>
+          </p:cNvSpPr>
+          <p:nvPr>
+            <p:ph idx="1"/>
+          </p:nvPr>
+        </p:nvSpPr>
+        <p:spPr/>
+        <p:txBody>
+          <a:bodyPr/>
+          <a:lstStyle/>
+          <a:p>
+            <a:pPr marL="514350" indent="-514350">
+              <a:buAutoNum type="arabicPeriod"/>
+            </a:pPr>
+            <a:r>
+              <a:rPr lang="en-US" dirty="0" err="1"/>
+              <a:t>componetWillReceiveProps</a:t>
+            </a:r>
+            <a:r>
+              <a:rPr lang="en-US" dirty="0"/>
+              <a:t>(</a:t>
+            </a:r>
+            <a:r>
+              <a:rPr lang="en-US" dirty="0" err="1"/>
+              <a:t>nextProps</a:t>
+            </a:r>
+            <a:r>
+              <a:rPr lang="en-US" dirty="0"/>
+              <a:t>)</a:t>
+            </a:r>
+          </a:p>
+          <a:p>
+            <a:pPr marL="514350" indent="-514350">
+              <a:buAutoNum type="arabicPeriod"/>
+            </a:pPr>
+            <a:r>
+              <a:rPr lang="en-US" dirty="0" err="1"/>
+              <a:t>shouldComponentUpdate</a:t>
+            </a:r>
+            <a:r>
+              <a:rPr lang="en-US" dirty="0"/>
+              <a:t>(</a:t>
+            </a:r>
+            <a:r>
+              <a:rPr lang="en-US" dirty="0" err="1"/>
+              <a:t>nextProps</a:t>
+            </a:r>
+            <a:r>
+              <a:rPr lang="en-US" dirty="0"/>
+              <a:t>, </a:t>
+            </a:r>
+            <a:r>
+              <a:rPr lang="en-US" dirty="0" err="1"/>
+              <a:t>nextState</a:t>
+            </a:r>
+            <a:r>
+              <a:rPr lang="en-US" dirty="0"/>
+              <a:t>)</a:t>
+            </a:r>
+          </a:p>
+          <a:p>
+            <a:pPr marL="514350" indent="-514350">
+              <a:buAutoNum type="arabicPeriod"/>
+            </a:pPr>
+            <a:r>
+              <a:rPr lang="en-US" dirty="0" err="1"/>
+              <a:t>componentWillUpdate</a:t>
+            </a:r>
+            <a:r>
+              <a:rPr lang="en-US" dirty="0"/>
+              <a:t>(</a:t>
+            </a:r>
+            <a:r>
+              <a:rPr lang="en-US" dirty="0" err="1"/>
+              <a:t>nextProps</a:t>
+            </a:r>
+            <a:r>
+              <a:rPr lang="en-US" dirty="0"/>
+              <a:t>, </a:t>
+            </a:r>
+            <a:r>
+              <a:rPr lang="en-US" dirty="0" err="1"/>
+              <a:t>nextState</a:t>
+            </a:r>
+            <a:r>
+              <a:rPr lang="en-US" dirty="0"/>
+              <a:t>)</a:t>
+            </a:r>
+          </a:p>
+          <a:p>
+            <a:pPr marL="514350" indent="-514350">
+              <a:buAutoNum type="arabicPeriod"/>
+            </a:pPr>
+            <a:r>
+              <a:rPr lang="en-US" dirty="0"/>
+              <a:t>Render()</a:t>
+            </a:r>
+          </a:p>
+          <a:p>
+            <a:pPr marL="514350" indent="-514350">
+              <a:buAutoNum type="arabicPeriod"/>
+            </a:pPr>
+            <a:r>
+              <a:rPr lang="en-US" dirty="0"/>
+              <a:t>Update child Component Props</a:t>
+            </a:r>
+          </a:p>
+          <a:p>
+            <a:pPr marL="514350" indent="-514350">
+              <a:buAutoNum type="arabicPeriod"/>
+            </a:pPr>
+            <a:r>
+              <a:rPr lang="en-US" dirty="0" err="1"/>
+              <a:t>componentDidUpdate</a:t>
+            </a:r>
+            <a:r>
+              <a:rPr lang="en-US" dirty="0"/>
+              <a:t>()</a:t>
+            </a:r>
+          </a:p>
+        </p:txBody>
+      </p:sp>
+    </p:spTree>
+    <p:extLst>
+      <p:ext uri="{BB962C8B-B14F-4D97-AF65-F5344CB8AC3E}">
+        <p14:creationId xmlns:p14="http://schemas.microsoft.com/office/powerpoint/2010/main" val="4243424699"/>
       </p:ext>
     </p:extLst>
   </p:cSld>

--- a/Http.pptx
+++ b/Http.pptx
@@ -8,8 +8,8 @@
     <p:sldId id="256" r:id="rId2"/>
     <p:sldId id="257" r:id="rId3"/>
     <p:sldId id="259" r:id="rId4"/>
-    <p:sldId id="258" r:id="rId5"/>
-    <p:sldId id="260" r:id="rId6"/>
+    <p:sldId id="260" r:id="rId5"/>
+    <p:sldId id="258" r:id="rId6"/>
   </p:sldIdLst>
   <p:sldSz cx="12192000" cy="6858000"/>
   <p:notesSz cx="6858000" cy="9144000"/>
@@ -263,7 +263,7 @@
           <a:p>
             <a:fld id="{5920F7C4-A855-4443-AAB1-716B8B7D9EBC}" type="datetimeFigureOut">
               <a:rPr lang="en-US" smtClean="0"/>
-              <a:t>8/28/2023</a:t>
+              <a:t>8/29/2023</a:t>
             </a:fld>
             <a:endParaRPr lang="en-US"/>
           </a:p>
@@ -461,7 +461,7 @@
           <a:p>
             <a:fld id="{5920F7C4-A855-4443-AAB1-716B8B7D9EBC}" type="datetimeFigureOut">
               <a:rPr lang="en-US" smtClean="0"/>
-              <a:t>8/28/2023</a:t>
+              <a:t>8/29/2023</a:t>
             </a:fld>
             <a:endParaRPr lang="en-US"/>
           </a:p>
@@ -669,7 +669,7 @@
           <a:p>
             <a:fld id="{5920F7C4-A855-4443-AAB1-716B8B7D9EBC}" type="datetimeFigureOut">
               <a:rPr lang="en-US" smtClean="0"/>
-              <a:t>8/28/2023</a:t>
+              <a:t>8/29/2023</a:t>
             </a:fld>
             <a:endParaRPr lang="en-US"/>
           </a:p>
@@ -867,7 +867,7 @@
           <a:p>
             <a:fld id="{5920F7C4-A855-4443-AAB1-716B8B7D9EBC}" type="datetimeFigureOut">
               <a:rPr lang="en-US" smtClean="0"/>
-              <a:t>8/28/2023</a:t>
+              <a:t>8/29/2023</a:t>
             </a:fld>
             <a:endParaRPr lang="en-US"/>
           </a:p>
@@ -1142,7 +1142,7 @@
           <a:p>
             <a:fld id="{5920F7C4-A855-4443-AAB1-716B8B7D9EBC}" type="datetimeFigureOut">
               <a:rPr lang="en-US" smtClean="0"/>
-              <a:t>8/28/2023</a:t>
+              <a:t>8/29/2023</a:t>
             </a:fld>
             <a:endParaRPr lang="en-US"/>
           </a:p>
@@ -1407,7 +1407,7 @@
           <a:p>
             <a:fld id="{5920F7C4-A855-4443-AAB1-716B8B7D9EBC}" type="datetimeFigureOut">
               <a:rPr lang="en-US" smtClean="0"/>
-              <a:t>8/28/2023</a:t>
+              <a:t>8/29/2023</a:t>
             </a:fld>
             <a:endParaRPr lang="en-US"/>
           </a:p>
@@ -1819,7 +1819,7 @@
           <a:p>
             <a:fld id="{5920F7C4-A855-4443-AAB1-716B8B7D9EBC}" type="datetimeFigureOut">
               <a:rPr lang="en-US" smtClean="0"/>
-              <a:t>8/28/2023</a:t>
+              <a:t>8/29/2023</a:t>
             </a:fld>
             <a:endParaRPr lang="en-US"/>
           </a:p>
@@ -1960,7 +1960,7 @@
           <a:p>
             <a:fld id="{5920F7C4-A855-4443-AAB1-716B8B7D9EBC}" type="datetimeFigureOut">
               <a:rPr lang="en-US" smtClean="0"/>
-              <a:t>8/28/2023</a:t>
+              <a:t>8/29/2023</a:t>
             </a:fld>
             <a:endParaRPr lang="en-US"/>
           </a:p>
@@ -2073,7 +2073,7 @@
           <a:p>
             <a:fld id="{5920F7C4-A855-4443-AAB1-716B8B7D9EBC}" type="datetimeFigureOut">
               <a:rPr lang="en-US" smtClean="0"/>
-              <a:t>8/28/2023</a:t>
+              <a:t>8/29/2023</a:t>
             </a:fld>
             <a:endParaRPr lang="en-US"/>
           </a:p>
@@ -2384,7 +2384,7 @@
           <a:p>
             <a:fld id="{5920F7C4-A855-4443-AAB1-716B8B7D9EBC}" type="datetimeFigureOut">
               <a:rPr lang="en-US" smtClean="0"/>
-              <a:t>8/28/2023</a:t>
+              <a:t>8/29/2023</a:t>
             </a:fld>
             <a:endParaRPr lang="en-US"/>
           </a:p>
@@ -2672,7 +2672,7 @@
           <a:p>
             <a:fld id="{5920F7C4-A855-4443-AAB1-716B8B7D9EBC}" type="datetimeFigureOut">
               <a:rPr lang="en-US" smtClean="0"/>
-              <a:t>8/28/2023</a:t>
+              <a:t>8/29/2023</a:t>
             </a:fld>
             <a:endParaRPr lang="en-US"/>
           </a:p>
@@ -2913,7 +2913,7 @@
           <a:p>
             <a:fld id="{5920F7C4-A855-4443-AAB1-716B8B7D9EBC}" type="datetimeFigureOut">
               <a:rPr lang="en-US" smtClean="0"/>
-              <a:t>8/28/2023</a:t>
+              <a:t>8/29/2023</a:t>
             </a:fld>
             <a:endParaRPr lang="en-US"/>
           </a:p>
@@ -4864,10 +4864,40 @@
       </p:grpSpPr>
       <p:sp>
         <p:nvSpPr>
+          <p:cNvPr id="2" name="Title 1">
+            <a:extLst>
+              <a:ext uri="{FF2B5EF4-FFF2-40B4-BE49-F238E27FC236}">
+                <a16:creationId xmlns:a16="http://schemas.microsoft.com/office/drawing/2014/main" id="{BBDA8E84-D3C5-B912-ABEC-0C5661E062E2}"/>
+              </a:ext>
+            </a:extLst>
+          </p:cNvPr>
+          <p:cNvSpPr>
+            <a:spLocks noGrp="1"/>
+          </p:cNvSpPr>
+          <p:nvPr>
+            <p:ph type="title"/>
+          </p:nvPr>
+        </p:nvSpPr>
+        <p:spPr/>
+        <p:txBody>
+          <a:bodyPr>
+            <a:normAutofit/>
+          </a:bodyPr>
+          <a:lstStyle/>
+          <a:p>
+            <a:r>
+              <a:rPr lang="en-US" sz="3600" dirty="0"/>
+              <a:t>Component Lifecycle – Update (triggered by Parent)</a:t>
+            </a:r>
+          </a:p>
+        </p:txBody>
+      </p:sp>
+      <p:sp>
+        <p:nvSpPr>
           <p:cNvPr id="3" name="Content Placeholder 2">
             <a:extLst>
               <a:ext uri="{FF2B5EF4-FFF2-40B4-BE49-F238E27FC236}">
-                <a16:creationId xmlns:a16="http://schemas.microsoft.com/office/drawing/2014/main" id="{5351E8C8-5E31-6652-C085-D4A6651FB50F}"/>
+                <a16:creationId xmlns:a16="http://schemas.microsoft.com/office/drawing/2014/main" id="{DFBD6142-D6E2-4CEB-A28A-158471B07D96}"/>
               </a:ext>
             </a:extLst>
           </p:cNvPr>
@@ -4878,83 +4908,118 @@
             <p:ph idx="1"/>
           </p:nvPr>
         </p:nvSpPr>
-        <p:spPr>
-          <a:xfrm>
-            <a:off x="838200" y="246743"/>
-            <a:ext cx="10515600" cy="5930220"/>
-          </a:xfrm>
-        </p:spPr>
+        <p:spPr/>
         <p:txBody>
           <a:bodyPr/>
           <a:lstStyle/>
           <a:p>
             <a:pPr marL="514350" indent="-514350">
-              <a:buFont typeface="+mj-lt"/>
               <a:buAutoNum type="arabicPeriod"/>
             </a:pPr>
             <a:r>
+              <a:rPr lang="en-US" dirty="0" err="1"/>
+              <a:t>componetWillReceiveProps</a:t>
+            </a:r>
+            <a:r>
               <a:rPr lang="en-US" dirty="0"/>
-              <a:t>Introduction and axios setup</a:t>
+              <a:t>(</a:t>
+            </a:r>
+            <a:r>
+              <a:rPr lang="en-US" dirty="0" err="1"/>
+              <a:t>nextProps</a:t>
+            </a:r>
+            <a:r>
+              <a:rPr lang="en-US" dirty="0"/>
+              <a:t>)</a:t>
             </a:r>
           </a:p>
           <a:p>
             <a:pPr marL="514350" indent="-514350">
-              <a:buFont typeface="+mj-lt"/>
               <a:buAutoNum type="arabicPeriod"/>
             </a:pPr>
             <a:r>
+              <a:rPr lang="en-US" dirty="0" err="1"/>
+              <a:t>shouldComponentUpdate</a:t>
+            </a:r>
+            <a:r>
               <a:rPr lang="en-US" dirty="0"/>
-              <a:t>Sending a GET request</a:t>
+              <a:t>(</a:t>
+            </a:r>
+            <a:r>
+              <a:rPr lang="en-US" dirty="0" err="1"/>
+              <a:t>nextProps</a:t>
+            </a:r>
+            <a:r>
+              <a:rPr lang="en-US" dirty="0"/>
+              <a:t>, </a:t>
+            </a:r>
+            <a:r>
+              <a:rPr lang="en-US" dirty="0" err="1"/>
+              <a:t>nextState</a:t>
+            </a:r>
+            <a:r>
+              <a:rPr lang="en-US" dirty="0"/>
+              <a:t>)</a:t>
             </a:r>
           </a:p>
           <a:p>
             <a:pPr marL="514350" indent="-514350">
-              <a:buFont typeface="+mj-lt"/>
               <a:buAutoNum type="arabicPeriod"/>
             </a:pPr>
             <a:r>
+              <a:rPr lang="en-US" dirty="0" err="1"/>
+              <a:t>componentWillUpdate</a:t>
+            </a:r>
+            <a:r>
               <a:rPr lang="en-US" dirty="0"/>
-              <a:t>Rendering fetched data</a:t>
+              <a:t>(</a:t>
+            </a:r>
+            <a:r>
+              <a:rPr lang="en-US" dirty="0" err="1"/>
+              <a:t>nextProps</a:t>
+            </a:r>
+            <a:r>
+              <a:rPr lang="en-US" dirty="0"/>
+              <a:t>, </a:t>
+            </a:r>
+            <a:r>
+              <a:rPr lang="en-US" dirty="0" err="1"/>
+              <a:t>nextState</a:t>
+            </a:r>
+            <a:r>
+              <a:rPr lang="en-US" dirty="0"/>
+              <a:t>)</a:t>
             </a:r>
           </a:p>
           <a:p>
             <a:pPr marL="514350" indent="-514350">
-              <a:buFont typeface="+mj-lt"/>
               <a:buAutoNum type="arabicPeriod"/>
             </a:pPr>
             <a:r>
               <a:rPr lang="en-US" dirty="0"/>
-              <a:t>Adjust fetched data</a:t>
+              <a:t>Render()</a:t>
             </a:r>
           </a:p>
           <a:p>
             <a:pPr marL="514350" indent="-514350">
-              <a:buFont typeface="+mj-lt"/>
               <a:buAutoNum type="arabicPeriod"/>
             </a:pPr>
             <a:r>
               <a:rPr lang="en-US" dirty="0"/>
-              <a:t>Making the POST selectable</a:t>
+              <a:t>Update child Component Props</a:t>
             </a:r>
           </a:p>
           <a:p>
             <a:pPr marL="514350" indent="-514350">
-              <a:buFont typeface="+mj-lt"/>
               <a:buAutoNum type="arabicPeriod"/>
             </a:pPr>
             <a:r>
+              <a:rPr lang="en-US" dirty="0" err="1"/>
+              <a:t>componentDidUpdate</a:t>
+            </a:r>
+            <a:r>
               <a:rPr lang="en-US" dirty="0"/>
-              <a:t>http requests on update</a:t>
-            </a:r>
-          </a:p>
-          <a:p>
-            <a:pPr marL="514350" indent="-514350">
-              <a:buFont typeface="+mj-lt"/>
-              <a:buAutoNum type="arabicPeriod"/>
-            </a:pPr>
-            <a:r>
-              <a:rPr lang="en-US" dirty="0"/>
-              <a:t>Posting data to server</a:t>
+              <a:t>()</a:t>
             </a:r>
           </a:p>
         </p:txBody>
@@ -4962,7 +5027,7 @@
     </p:spTree>
     <p:extLst>
       <p:ext uri="{BB962C8B-B14F-4D97-AF65-F5344CB8AC3E}">
-        <p14:creationId xmlns:p14="http://schemas.microsoft.com/office/powerpoint/2010/main" val="3054949035"/>
+        <p14:creationId xmlns:p14="http://schemas.microsoft.com/office/powerpoint/2010/main" val="4243424699"/>
       </p:ext>
     </p:extLst>
   </p:cSld>
@@ -4991,162 +5056,149 @@
       </p:grpSpPr>
       <p:sp>
         <p:nvSpPr>
-          <p:cNvPr id="2" name="Title 1">
-            <a:extLst>
-              <a:ext uri="{FF2B5EF4-FFF2-40B4-BE49-F238E27FC236}">
-                <a16:creationId xmlns:a16="http://schemas.microsoft.com/office/drawing/2014/main" id="{BBDA8E84-D3C5-B912-ABEC-0C5661E062E2}"/>
-              </a:ext>
-            </a:extLst>
-          </p:cNvPr>
-          <p:cNvSpPr>
-            <a:spLocks noGrp="1"/>
-          </p:cNvSpPr>
-          <p:nvPr>
-            <p:ph type="title"/>
-          </p:nvPr>
-        </p:nvSpPr>
-        <p:spPr/>
+          <p:cNvPr id="3" name="Content Placeholder 2">
+            <a:extLst>
+              <a:ext uri="{FF2B5EF4-FFF2-40B4-BE49-F238E27FC236}">
+                <a16:creationId xmlns:a16="http://schemas.microsoft.com/office/drawing/2014/main" id="{5351E8C8-5E31-6652-C085-D4A6651FB50F}"/>
+              </a:ext>
+            </a:extLst>
+          </p:cNvPr>
+          <p:cNvSpPr>
+            <a:spLocks noGrp="1"/>
+          </p:cNvSpPr>
+          <p:nvPr>
+            <p:ph idx="1"/>
+          </p:nvPr>
+        </p:nvSpPr>
+        <p:spPr>
+          <a:xfrm>
+            <a:off x="838200" y="246743"/>
+            <a:ext cx="10515600" cy="5930220"/>
+          </a:xfrm>
+        </p:spPr>
         <p:txBody>
           <a:bodyPr>
-            <a:normAutofit/>
+            <a:normAutofit lnSpcReduction="10000"/>
           </a:bodyPr>
           <a:lstStyle/>
           <a:p>
-            <a:r>
-              <a:rPr lang="en-US" sz="3600" dirty="0"/>
-              <a:t>Component Lifecycle – Update (triggered by Parent)</a:t>
-            </a:r>
-          </a:p>
-        </p:txBody>
-      </p:sp>
-      <p:sp>
-        <p:nvSpPr>
-          <p:cNvPr id="3" name="Content Placeholder 2">
-            <a:extLst>
-              <a:ext uri="{FF2B5EF4-FFF2-40B4-BE49-F238E27FC236}">
-                <a16:creationId xmlns:a16="http://schemas.microsoft.com/office/drawing/2014/main" id="{DFBD6142-D6E2-4CEB-A28A-158471B07D96}"/>
-              </a:ext>
-            </a:extLst>
-          </p:cNvPr>
-          <p:cNvSpPr>
-            <a:spLocks noGrp="1"/>
-          </p:cNvSpPr>
-          <p:nvPr>
-            <p:ph idx="1"/>
-          </p:nvPr>
-        </p:nvSpPr>
-        <p:spPr/>
-        <p:txBody>
-          <a:bodyPr/>
-          <a:lstStyle/>
-          <a:p>
             <a:pPr marL="514350" indent="-514350">
+              <a:buFont typeface="+mj-lt"/>
               <a:buAutoNum type="arabicPeriod"/>
             </a:pPr>
             <a:r>
-              <a:rPr lang="en-US" dirty="0" err="1"/>
-              <a:t>componetWillReceiveProps</a:t>
-            </a:r>
-            <a:r>
               <a:rPr lang="en-US" dirty="0"/>
-              <a:t>(</a:t>
-            </a:r>
-            <a:r>
-              <a:rPr lang="en-US" dirty="0" err="1"/>
-              <a:t>nextProps</a:t>
-            </a:r>
-            <a:r>
-              <a:rPr lang="en-US" dirty="0"/>
-              <a:t>)</a:t>
+              <a:t>Introduction and axios setup</a:t>
             </a:r>
           </a:p>
           <a:p>
             <a:pPr marL="514350" indent="-514350">
+              <a:buFont typeface="+mj-lt"/>
               <a:buAutoNum type="arabicPeriod"/>
             </a:pPr>
             <a:r>
-              <a:rPr lang="en-US" dirty="0" err="1"/>
-              <a:t>shouldComponentUpdate</a:t>
-            </a:r>
-            <a:r>
               <a:rPr lang="en-US" dirty="0"/>
-              <a:t>(</a:t>
-            </a:r>
-            <a:r>
-              <a:rPr lang="en-US" dirty="0" err="1"/>
-              <a:t>nextProps</a:t>
-            </a:r>
-            <a:r>
-              <a:rPr lang="en-US" dirty="0"/>
-              <a:t>, </a:t>
-            </a:r>
-            <a:r>
-              <a:rPr lang="en-US" dirty="0" err="1"/>
-              <a:t>nextState</a:t>
-            </a:r>
-            <a:r>
-              <a:rPr lang="en-US" dirty="0"/>
-              <a:t>)</a:t>
+              <a:t>Sending a GET request</a:t>
             </a:r>
           </a:p>
           <a:p>
             <a:pPr marL="514350" indent="-514350">
+              <a:buFont typeface="+mj-lt"/>
               <a:buAutoNum type="arabicPeriod"/>
             </a:pPr>
             <a:r>
-              <a:rPr lang="en-US" dirty="0" err="1"/>
-              <a:t>componentWillUpdate</a:t>
-            </a:r>
-            <a:r>
               <a:rPr lang="en-US" dirty="0"/>
-              <a:t>(</a:t>
-            </a:r>
-            <a:r>
-              <a:rPr lang="en-US" dirty="0" err="1"/>
-              <a:t>nextProps</a:t>
-            </a:r>
-            <a:r>
-              <a:rPr lang="en-US" dirty="0"/>
-              <a:t>, </a:t>
-            </a:r>
-            <a:r>
-              <a:rPr lang="en-US" dirty="0" err="1"/>
-              <a:t>nextState</a:t>
-            </a:r>
-            <a:r>
-              <a:rPr lang="en-US" dirty="0"/>
-              <a:t>)</a:t>
+              <a:t>Rendering fetched data</a:t>
             </a:r>
           </a:p>
           <a:p>
             <a:pPr marL="514350" indent="-514350">
+              <a:buFont typeface="+mj-lt"/>
               <a:buAutoNum type="arabicPeriod"/>
             </a:pPr>
             <a:r>
               <a:rPr lang="en-US" dirty="0"/>
-              <a:t>Render()</a:t>
+              <a:t>Adjust fetched data</a:t>
             </a:r>
           </a:p>
           <a:p>
             <a:pPr marL="514350" indent="-514350">
+              <a:buFont typeface="+mj-lt"/>
               <a:buAutoNum type="arabicPeriod"/>
             </a:pPr>
             <a:r>
               <a:rPr lang="en-US" dirty="0"/>
-              <a:t>Update child Component Props</a:t>
+              <a:t>Making the POST selectable</a:t>
             </a:r>
           </a:p>
           <a:p>
             <a:pPr marL="514350" indent="-514350">
+              <a:buFont typeface="+mj-lt"/>
               <a:buAutoNum type="arabicPeriod"/>
             </a:pPr>
             <a:r>
-              <a:rPr lang="en-US" dirty="0" err="1"/>
-              <a:t>componentDidUpdate</a:t>
-            </a:r>
-            <a:r>
               <a:rPr lang="en-US" dirty="0"/>
-              <a:t>()</a:t>
+              <a:t>http requests on update</a:t>
+            </a:r>
+          </a:p>
+          <a:p>
+            <a:pPr marL="514350" indent="-514350">
+              <a:buFont typeface="+mj-lt"/>
+              <a:buAutoNum type="arabicPeriod"/>
+            </a:pPr>
+            <a:r>
+              <a:rPr lang="en-US" dirty="0"/>
+              <a:t>Posting data to server</a:t>
+            </a:r>
+          </a:p>
+          <a:p>
+            <a:pPr marL="514350" indent="-514350">
+              <a:buFont typeface="+mj-lt"/>
+              <a:buAutoNum type="arabicPeriod"/>
+            </a:pPr>
+            <a:r>
+              <a:rPr lang="en-US" dirty="0"/>
+              <a:t>Sending a delete request</a:t>
+            </a:r>
+          </a:p>
+          <a:p>
+            <a:pPr marL="514350" indent="-514350">
+              <a:buFont typeface="+mj-lt"/>
+              <a:buAutoNum type="arabicPeriod"/>
+            </a:pPr>
+            <a:r>
+              <a:rPr lang="en-US" dirty="0"/>
+              <a:t>Handling errors locally</a:t>
+            </a:r>
+          </a:p>
+          <a:p>
+            <a:pPr marL="514350" indent="-514350">
+              <a:buFont typeface="+mj-lt"/>
+              <a:buAutoNum type="arabicPeriod"/>
+            </a:pPr>
+            <a:r>
+              <a:rPr lang="en-US" dirty="0"/>
+              <a:t>Using interceptors</a:t>
+            </a:r>
+          </a:p>
+          <a:p>
+            <a:pPr marL="514350" indent="-514350">
+              <a:buFont typeface="+mj-lt"/>
+              <a:buAutoNum type="arabicPeriod"/>
+            </a:pPr>
+            <a:r>
+              <a:rPr lang="en-US" dirty="0"/>
+              <a:t>Global configuration for axios</a:t>
+            </a:r>
+          </a:p>
+          <a:p>
+            <a:pPr marL="514350" indent="-514350">
+              <a:buFont typeface="+mj-lt"/>
+              <a:buAutoNum type="arabicPeriod"/>
+            </a:pPr>
+            <a:r>
+              <a:rPr lang="en-US" dirty="0"/>
+              <a:t>Axios instances</a:t>
             </a:r>
           </a:p>
         </p:txBody>
@@ -5154,7 +5206,7 @@
     </p:spTree>
     <p:extLst>
       <p:ext uri="{BB962C8B-B14F-4D97-AF65-F5344CB8AC3E}">
-        <p14:creationId xmlns:p14="http://schemas.microsoft.com/office/powerpoint/2010/main" val="4243424699"/>
+        <p14:creationId xmlns:p14="http://schemas.microsoft.com/office/powerpoint/2010/main" val="3054949035"/>
       </p:ext>
     </p:extLst>
   </p:cSld>
